--- a/MUNA INVESTMENT GROUP.pptx
+++ b/MUNA INVESTMENT GROUP.pptx
@@ -10,10 +10,10 @@
   <p:sldIdLst>
     <p:sldId id="258" r:id="rId5"/>
     <p:sldId id="266" r:id="rId6"/>
-    <p:sldId id="268" r:id="rId7"/>
+    <p:sldId id="271" r:id="rId7"/>
     <p:sldId id="269" r:id="rId8"/>
     <p:sldId id="272" r:id="rId9"/>
-    <p:sldId id="271" r:id="rId10"/>
+    <p:sldId id="274" r:id="rId10"/>
     <p:sldId id="267" r:id="rId11"/>
     <p:sldId id="273" r:id="rId12"/>
   </p:sldIdLst>
@@ -5764,7 +5764,7 @@
           <a:p>
             <a:fld id="{3AD818D7-DF4E-4C59-9BBA-548250DAC33A}" type="datetimeFigureOut">
               <a:rPr lang="en-US" smtClean="0"/>
-              <a:t>9/2/2020</a:t>
+              <a:t>9/3/2020</a:t>
             </a:fld>
             <a:endParaRPr lang="en-US" dirty="0"/>
           </a:p>
@@ -6753,7 +6753,7 @@
           <a:p>
             <a:fld id="{3E149229-E3F7-4B08-B8B0-567DB9AE2DBD}" type="datetime1">
               <a:rPr lang="en-US" smtClean="0"/>
-              <a:t>9/2/2020</a:t>
+              <a:t>9/3/2020</a:t>
             </a:fld>
             <a:endParaRPr lang="en-US" dirty="0"/>
           </a:p>
@@ -7000,7 +7000,7 @@
           <a:p>
             <a:fld id="{215760AF-08CF-488B-8265-5F1D88C1C64E}" type="datetime1">
               <a:rPr lang="en-US" smtClean="0"/>
-              <a:t>9/2/2020</a:t>
+              <a:t>9/3/2020</a:t>
             </a:fld>
             <a:endParaRPr lang="en-US" dirty="0"/>
           </a:p>
@@ -7310,7 +7310,7 @@
           <a:p>
             <a:fld id="{9FD41802-9AAA-4EB8-B737-B207AD0C712F}" type="datetime1">
               <a:rPr lang="en-US" smtClean="0"/>
-              <a:t>9/2/2020</a:t>
+              <a:t>9/3/2020</a:t>
             </a:fld>
             <a:endParaRPr lang="en-US" dirty="0"/>
           </a:p>
@@ -7647,7 +7647,7 @@
           <a:p>
             <a:fld id="{E8B27BB6-0FDA-4EDD-A5D1-79FFF12955B7}" type="datetime1">
               <a:rPr lang="en-US" smtClean="0"/>
-              <a:t>9/2/2020</a:t>
+              <a:t>9/3/2020</a:t>
             </a:fld>
             <a:endParaRPr lang="en-US" dirty="0"/>
           </a:p>
@@ -7957,7 +7957,7 @@
           <a:p>
             <a:fld id="{62CB08FB-4F0B-44DE-8994-0595D6ECCDCE}" type="datetime1">
               <a:rPr lang="en-US" smtClean="0"/>
-              <a:t>9/2/2020</a:t>
+              <a:t>9/3/2020</a:t>
             </a:fld>
             <a:endParaRPr lang="en-US" dirty="0"/>
           </a:p>
@@ -8346,7 +8346,7 @@
           <a:p>
             <a:fld id="{D29AB015-62A3-4A29-BC49-965FA4BE59CA}" type="datetime1">
               <a:rPr lang="en-US" smtClean="0"/>
-              <a:t>9/2/2020</a:t>
+              <a:t>9/3/2020</a:t>
             </a:fld>
             <a:endParaRPr lang="en-US" dirty="0"/>
           </a:p>
@@ -8512,7 +8512,7 @@
           <a:p>
             <a:fld id="{8BA46181-5447-4050-89D3-AA326DE4DA13}" type="datetime1">
               <a:rPr lang="en-US" smtClean="0"/>
-              <a:t>9/2/2020</a:t>
+              <a:t>9/3/2020</a:t>
             </a:fld>
             <a:endParaRPr lang="en-US" dirty="0"/>
           </a:p>
@@ -8687,7 +8687,7 @@
           <a:p>
             <a:fld id="{FF450F08-CAEB-42BA-9362-548763B98147}" type="datetime1">
               <a:rPr lang="en-US" smtClean="0"/>
-              <a:t>9/2/2020</a:t>
+              <a:t>9/3/2020</a:t>
             </a:fld>
             <a:endParaRPr lang="en-US" dirty="0"/>
           </a:p>
@@ -8859,7 +8859,7 @@
           <a:p>
             <a:fld id="{2D6026DC-D31F-40BA-B49D-47D87B9BA087}" type="datetime1">
               <a:rPr lang="en-US" smtClean="0"/>
-              <a:t>9/2/2020</a:t>
+              <a:t>9/3/2020</a:t>
             </a:fld>
             <a:endParaRPr lang="en-US" dirty="0"/>
           </a:p>
@@ -9102,7 +9102,7 @@
           <a:p>
             <a:fld id="{0E2464DF-92FB-4D4C-B2DE-15BC5F46772E}" type="datetime1">
               <a:rPr lang="en-US" smtClean="0"/>
-              <a:t>9/2/2020</a:t>
+              <a:t>9/3/2020</a:t>
             </a:fld>
             <a:endParaRPr lang="en-US" dirty="0"/>
           </a:p>
@@ -9330,7 +9330,7 @@
           <a:p>
             <a:fld id="{127F1A99-F4C1-4E12-B7D3-A88A44F4EB10}" type="datetime1">
               <a:rPr lang="en-US" smtClean="0"/>
-              <a:t>9/2/2020</a:t>
+              <a:t>9/3/2020</a:t>
             </a:fld>
             <a:endParaRPr lang="en-US" dirty="0"/>
           </a:p>
@@ -9699,7 +9699,7 @@
           <a:p>
             <a:fld id="{0F2E7458-324C-48F7-80F5-74B19E1CAFEB}" type="datetime1">
               <a:rPr lang="en-US" smtClean="0"/>
-              <a:t>9/2/2020</a:t>
+              <a:t>9/3/2020</a:t>
             </a:fld>
             <a:endParaRPr lang="en-US" dirty="0"/>
           </a:p>
@@ -9818,7 +9818,7 @@
           <a:p>
             <a:fld id="{B60B054C-5E05-4896-867A-8DB56A20C8AC}" type="datetime1">
               <a:rPr lang="en-US" smtClean="0"/>
-              <a:t>9/2/2020</a:t>
+              <a:t>9/3/2020</a:t>
             </a:fld>
             <a:endParaRPr lang="en-US" dirty="0"/>
           </a:p>
@@ -9909,7 +9909,7 @@
           <a:p>
             <a:fld id="{A694B787-46DA-4B4F-B781-E768630FCF2A}" type="datetime1">
               <a:rPr lang="en-US" smtClean="0"/>
-              <a:t>9/2/2020</a:t>
+              <a:t>9/3/2020</a:t>
             </a:fld>
             <a:endParaRPr lang="en-US" dirty="0"/>
           </a:p>
@@ -10160,7 +10160,7 @@
           <a:p>
             <a:fld id="{AFE38CE2-82D3-4BA2-B844-E7281181CD7A}" type="datetime1">
               <a:rPr lang="en-US" smtClean="0"/>
-              <a:t>9/2/2020</a:t>
+              <a:t>9/3/2020</a:t>
             </a:fld>
             <a:endParaRPr lang="en-US" dirty="0"/>
           </a:p>
@@ -10418,7 +10418,7 @@
           <a:p>
             <a:fld id="{A60FF511-91B4-4318-A9F6-BECE1367AD14}" type="datetime1">
               <a:rPr lang="en-US" smtClean="0"/>
-              <a:t>9/2/2020</a:t>
+              <a:t>9/3/2020</a:t>
             </a:fld>
             <a:endParaRPr lang="en-US" dirty="0"/>
           </a:p>
@@ -11157,7 +11157,7 @@
           <a:p>
             <a:fld id="{1AA39CD9-90D5-49BD-B792-F7F07D136C39}" type="datetime1">
               <a:rPr lang="en-US" smtClean="0"/>
-              <a:t>9/2/2020</a:t>
+              <a:t>9/3/2020</a:t>
             </a:fld>
             <a:endParaRPr lang="en-US" dirty="0"/>
           </a:p>
@@ -12809,12 +12809,50 @@
           <a:chExt cx="0" cy="0"/>
         </a:xfrm>
       </p:grpSpPr>
+      <p:pic>
+        <p:nvPicPr>
+          <p:cNvPr id="4" name="Picture 3" descr="A very dark room&#10;&#10;Description automatically generated">
+            <a:extLst>
+              <a:ext uri="{FF2B5EF4-FFF2-40B4-BE49-F238E27FC236}">
+                <a16:creationId xmlns:a16="http://schemas.microsoft.com/office/drawing/2014/main" id="{C6ACBF3D-7454-4C9A-AA9B-C7CAF3EFB691}"/>
+              </a:ext>
+            </a:extLst>
+          </p:cNvPr>
+          <p:cNvPicPr>
+            <a:picLocks noChangeAspect="1"/>
+          </p:cNvPicPr>
+          <p:nvPr/>
+        </p:nvPicPr>
+        <p:blipFill rotWithShape="1">
+          <a:blip r:embed="rId2">
+            <a:duotone>
+              <a:schemeClr val="bg2">
+                <a:shade val="45000"/>
+                <a:satMod val="135000"/>
+              </a:schemeClr>
+              <a:prstClr val="white"/>
+            </a:duotone>
+            <a:alphaModFix amt="25000"/>
+          </a:blip>
+          <a:srcRect t="27053" b="16697"/>
+          <a:stretch/>
+        </p:blipFill>
+        <p:spPr>
+          <a:xfrm>
+            <a:off x="0" y="-282804"/>
+            <a:ext cx="12191999" cy="7140804"/>
+          </a:xfrm>
+          <a:prstGeom prst="rect">
+            <a:avLst/>
+          </a:prstGeom>
+        </p:spPr>
+      </p:pic>
       <p:sp>
         <p:nvSpPr>
           <p:cNvPr id="2" name="Title 1">
             <a:extLst>
               <a:ext uri="{FF2B5EF4-FFF2-40B4-BE49-F238E27FC236}">
-                <a16:creationId xmlns:a16="http://schemas.microsoft.com/office/drawing/2014/main" id="{E2953F99-FAE9-4CF6-A6A3-1D991562102B}"/>
+                <a16:creationId xmlns:a16="http://schemas.microsoft.com/office/drawing/2014/main" id="{CCB5BABA-6BFF-4FE1-92EC-96E5906F5BC4}"/>
               </a:ext>
             </a:extLst>
           </p:cNvPr>
@@ -12825,60 +12863,44 @@
             <p:ph type="title"/>
           </p:nvPr>
         </p:nvSpPr>
-        <p:spPr/>
+        <p:spPr>
+          <a:xfrm>
+            <a:off x="677334" y="609600"/>
+            <a:ext cx="8596668" cy="974103"/>
+          </a:xfrm>
+        </p:spPr>
         <p:txBody>
-          <a:bodyPr/>
+          <a:bodyPr>
+            <a:normAutofit/>
+          </a:bodyPr>
           <a:lstStyle/>
           <a:p>
             <a:r>
               <a:rPr lang="en-US" dirty="0"/>
-              <a:t>                   </a:t>
+              <a:t>                    </a:t>
             </a:r>
             <a:r>
-              <a:rPr lang="en-US" sz="4400" b="1" dirty="0">
+              <a:rPr lang="en-US" b="1" dirty="0">
                 <a:solidFill>
                   <a:schemeClr val="tx1"/>
                 </a:solidFill>
               </a:rPr>
               <a:t>APP DESCRIPTION</a:t>
             </a:r>
-          </a:p>
-        </p:txBody>
-      </p:sp>
-      <p:sp>
-        <p:nvSpPr>
-          <p:cNvPr id="3" name="Content Placeholder 2">
-            <a:extLst>
-              <a:ext uri="{FF2B5EF4-FFF2-40B4-BE49-F238E27FC236}">
-                <a16:creationId xmlns:a16="http://schemas.microsoft.com/office/drawing/2014/main" id="{F7F6C28F-806A-4E72-81A3-4D2F9D5CE53C}"/>
-              </a:ext>
-            </a:extLst>
-          </p:cNvPr>
-          <p:cNvSpPr>
-            <a:spLocks noGrp="1"/>
-          </p:cNvSpPr>
-          <p:nvPr>
-            <p:ph idx="1"/>
-          </p:nvPr>
-        </p:nvSpPr>
-        <p:spPr/>
-        <p:txBody>
-          <a:bodyPr/>
-          <a:lstStyle/>
-          <a:p>
-            <a:r>
-              <a:rPr lang="en-US" dirty="0"/>
-              <a:t>The App comprises of </a:t>
-            </a:r>
+            <a:endParaRPr lang="en-US" sz="4400" b="1" dirty="0">
+              <a:solidFill>
+                <a:schemeClr val="tx1"/>
+              </a:solidFill>
+            </a:endParaRPr>
           </a:p>
         </p:txBody>
       </p:sp>
       <p:pic>
         <p:nvPicPr>
-          <p:cNvPr id="4" name="Content Placeholder 4" descr="A very dark room&#10;&#10;Description automatically generated">
+          <p:cNvPr id="6" name="Picture 5" descr="A very dark room&#10;&#10;Description automatically generated">
             <a:extLst>
               <a:ext uri="{FF2B5EF4-FFF2-40B4-BE49-F238E27FC236}">
-                <a16:creationId xmlns:a16="http://schemas.microsoft.com/office/drawing/2014/main" id="{2AEFBB79-3F0B-4F56-A68E-8EEC942E0040}"/>
+                <a16:creationId xmlns:a16="http://schemas.microsoft.com/office/drawing/2014/main" id="{5DE2BC30-039E-4E82-B89A-E1AEB09A6004}"/>
               </a:ext>
             </a:extLst>
           </p:cNvPr>
@@ -12895,18 +12917,137 @@
         </p:blipFill>
         <p:spPr>
           <a:xfrm>
-            <a:off x="3035300" y="3240157"/>
-            <a:ext cx="3881437" cy="2801868"/>
+            <a:off x="9043290" y="-8467"/>
+            <a:ext cx="2656751" cy="1798016"/>
           </a:xfrm>
           <a:prstGeom prst="rect">
             <a:avLst/>
           </a:prstGeom>
         </p:spPr>
       </p:pic>
+      <p:sp>
+        <p:nvSpPr>
+          <p:cNvPr id="21" name="TextBox 20">
+            <a:extLst>
+              <a:ext uri="{FF2B5EF4-FFF2-40B4-BE49-F238E27FC236}">
+                <a16:creationId xmlns:a16="http://schemas.microsoft.com/office/drawing/2014/main" id="{8FCB4016-8855-41F9-A778-B82419640137}"/>
+              </a:ext>
+            </a:extLst>
+          </p:cNvPr>
+          <p:cNvSpPr txBox="1"/>
+          <p:nvPr/>
+        </p:nvSpPr>
+        <p:spPr>
+          <a:xfrm>
+            <a:off x="2454964" y="1789549"/>
+            <a:ext cx="7320631" cy="3754874"/>
+          </a:xfrm>
+          <a:prstGeom prst="rect">
+            <a:avLst/>
+          </a:prstGeom>
+          <a:noFill/>
+        </p:spPr>
+        <p:txBody>
+          <a:bodyPr wrap="square">
+            <a:spAutoFit/>
+          </a:bodyPr>
+          <a:lstStyle/>
+          <a:p>
+            <a:pPr algn="ctr" rtl="0" fontAlgn="base">
+              <a:buFont typeface="Arial" panose="020B0604020202020204" pitchFamily="34" charset="0"/>
+              <a:buChar char="•"/>
+            </a:pPr>
+            <a:endParaRPr lang="en-US" b="0" i="0" u="none" strike="noStrike" dirty="0">
+              <a:effectLst/>
+              <a:latin typeface="+mj-lt"/>
+            </a:endParaRPr>
+          </a:p>
+          <a:p>
+            <a:pPr marL="285750" indent="-285750">
+              <a:buFont typeface="Wingdings" panose="05000000000000000000" pitchFamily="2" charset="2"/>
+              <a:buChar char="Ø"/>
+            </a:pPr>
+            <a:r>
+              <a:rPr lang="en-US" sz="2000" dirty="0"/>
+              <a:t>Stock API – cloud.iexapis.com, </a:t>
+            </a:r>
+            <a:r>
+              <a:rPr lang="en-US" sz="2000" dirty="0" err="1"/>
+              <a:t>Alphavantage</a:t>
+            </a:r>
+            <a:endParaRPr lang="en-US" sz="2000" dirty="0"/>
+          </a:p>
+          <a:p>
+            <a:endParaRPr lang="en-US" sz="2000" dirty="0"/>
+          </a:p>
+          <a:p>
+            <a:pPr marL="285750" indent="-285750">
+              <a:buFont typeface="Wingdings" panose="05000000000000000000" pitchFamily="2" charset="2"/>
+              <a:buChar char="Ø"/>
+            </a:pPr>
+            <a:r>
+              <a:rPr lang="en-US" sz="2000" dirty="0"/>
+              <a:t>  FAANG stocks</a:t>
+            </a:r>
+          </a:p>
+          <a:p>
+            <a:endParaRPr lang="en-US" sz="2000" dirty="0"/>
+          </a:p>
+          <a:p>
+            <a:pPr marL="285750" indent="-285750">
+              <a:buFont typeface="Wingdings" panose="05000000000000000000" pitchFamily="2" charset="2"/>
+              <a:buChar char="Ø"/>
+            </a:pPr>
+            <a:r>
+              <a:rPr lang="en-US" sz="2000" dirty="0"/>
+              <a:t>   User input: Enter stock symbols, What if</a:t>
+            </a:r>
+          </a:p>
+          <a:p>
+            <a:endParaRPr lang="en-US" sz="2000" dirty="0"/>
+          </a:p>
+          <a:p>
+            <a:pPr marL="285750" indent="-285750">
+              <a:buFont typeface="Wingdings" panose="05000000000000000000" pitchFamily="2" charset="2"/>
+              <a:buChar char="Ø"/>
+            </a:pPr>
+            <a:r>
+              <a:rPr lang="en-US" sz="2000" dirty="0"/>
+              <a:t>Scrolling news in the header</a:t>
+            </a:r>
+          </a:p>
+          <a:p>
+            <a:endParaRPr lang="en-US" sz="2000" dirty="0"/>
+          </a:p>
+          <a:p>
+            <a:pPr marL="285750" indent="-285750">
+              <a:buFont typeface="Wingdings" panose="05000000000000000000" pitchFamily="2" charset="2"/>
+              <a:buChar char="Ø"/>
+            </a:pPr>
+            <a:r>
+              <a:rPr lang="en-US" sz="2000" dirty="0"/>
+              <a:t>Cards with company name, ticker symbols, chart</a:t>
+            </a:r>
+          </a:p>
+          <a:p>
+            <a:endParaRPr lang="en-US" sz="2000" dirty="0"/>
+          </a:p>
+          <a:p>
+            <a:pPr marL="285750" indent="-285750">
+              <a:buFont typeface="Wingdings" panose="05000000000000000000" pitchFamily="2" charset="2"/>
+              <a:buChar char="Ø"/>
+            </a:pPr>
+            <a:r>
+              <a:rPr lang="en-US" sz="2000" dirty="0"/>
+              <a:t>Logo &amp; our company name</a:t>
+            </a:r>
+          </a:p>
+        </p:txBody>
+      </p:sp>
     </p:spTree>
     <p:extLst>
       <p:ext uri="{BB962C8B-B14F-4D97-AF65-F5344CB8AC3E}">
-        <p14:creationId xmlns:p14="http://schemas.microsoft.com/office/powerpoint/2010/main" val="1945005758"/>
+        <p14:creationId xmlns:p14="http://schemas.microsoft.com/office/powerpoint/2010/main" val="3356375257"/>
       </p:ext>
     </p:extLst>
   </p:cSld>
@@ -13506,7 +13647,15 @@
           <a:p>
             <a:r>
               <a:rPr lang="en-US" dirty="0"/>
-              <a:t>                    LESSON LEARNED</a:t>
+              <a:t>                    </a:t>
+            </a:r>
+            <a:r>
+              <a:rPr lang="en-US" dirty="0">
+                <a:solidFill>
+                  <a:schemeClr val="tx1"/>
+                </a:solidFill>
+              </a:rPr>
+              <a:t>LESSON LEARNED</a:t>
             </a:r>
             <a:endParaRPr lang="en-US" sz="4400" b="1" dirty="0">
               <a:solidFill>
@@ -13561,7 +13710,7 @@
         <p:spPr>
           <a:xfrm>
             <a:off x="2454965" y="1789549"/>
-            <a:ext cx="6733812" cy="1754326"/>
+            <a:ext cx="6733812" cy="2215991"/>
           </a:xfrm>
           <a:prstGeom prst="rect">
             <a:avLst/>
@@ -13584,19 +13733,19 @@
             </a:endParaRPr>
           </a:p>
           <a:p>
-            <a:pPr algn="ctr" rtl="0" fontAlgn="base">
-              <a:buFont typeface="Arial" panose="020B0604020202020204" pitchFamily="34" charset="0"/>
-              <a:buChar char="•"/>
+            <a:pPr marL="285750" indent="-285750" algn="ctr" rtl="0" fontAlgn="base">
+              <a:buFont typeface="Wingdings" panose="05000000000000000000" pitchFamily="2" charset="2"/>
+              <a:buChar char="Ø"/>
             </a:pPr>
             <a:r>
-              <a:rPr lang="en-US" b="0" i="0" u="none" strike="noStrike" dirty="0">
+              <a:rPr lang="en-US" sz="2000" b="0" i="0" u="none" strike="noStrike" dirty="0">
                 <a:effectLst/>
                 <a:latin typeface="+mj-lt"/>
               </a:rPr>
               <a:t>Getting a full picture of what coding is.</a:t>
             </a:r>
             <a:r>
-              <a:rPr lang="en-US" b="0" i="0" dirty="0">
+              <a:rPr lang="en-US" sz="2000" b="0" i="0" dirty="0">
                 <a:effectLst/>
                 <a:latin typeface="+mj-lt"/>
               </a:rPr>
@@ -13608,25 +13757,25 @@
               <a:buFont typeface="Arial" panose="020B0604020202020204" pitchFamily="34" charset="0"/>
               <a:buChar char="•"/>
             </a:pPr>
-            <a:endParaRPr lang="en-US" b="0" i="0" dirty="0">
+            <a:endParaRPr lang="en-US" sz="2000" b="0" i="0" dirty="0">
               <a:effectLst/>
               <a:latin typeface="+mj-lt"/>
             </a:endParaRPr>
           </a:p>
           <a:p>
-            <a:pPr algn="ctr" rtl="0" fontAlgn="base">
-              <a:buFont typeface="Arial" panose="020B0604020202020204" pitchFamily="34" charset="0"/>
-              <a:buChar char="•"/>
+            <a:pPr marL="285750" indent="-285750" algn="ctr" rtl="0" fontAlgn="base">
+              <a:buFont typeface="Wingdings" panose="05000000000000000000" pitchFamily="2" charset="2"/>
+              <a:buChar char="Ø"/>
             </a:pPr>
             <a:r>
-              <a:rPr lang="en-US" b="0" i="0" u="none" strike="noStrike" dirty="0">
+              <a:rPr lang="en-US" sz="2000" b="0" i="0" u="none" strike="noStrike" dirty="0">
                 <a:effectLst/>
                 <a:latin typeface="+mj-lt"/>
               </a:rPr>
               <a:t>Patience, pair programming, explaining as you go.</a:t>
             </a:r>
             <a:r>
-              <a:rPr lang="en-US" b="0" i="0" dirty="0">
+              <a:rPr lang="en-US" sz="2000" b="0" i="0" dirty="0">
                 <a:effectLst/>
                 <a:latin typeface="+mj-lt"/>
               </a:rPr>
@@ -13638,25 +13787,25 @@
               <a:buFont typeface="Arial" panose="020B0604020202020204" pitchFamily="34" charset="0"/>
               <a:buChar char="•"/>
             </a:pPr>
-            <a:endParaRPr lang="en-US" b="0" i="0" dirty="0">
+            <a:endParaRPr lang="en-US" sz="2000" b="0" i="0" dirty="0">
               <a:effectLst/>
               <a:latin typeface="+mj-lt"/>
             </a:endParaRPr>
           </a:p>
           <a:p>
-            <a:pPr algn="ctr" rtl="0" fontAlgn="base">
-              <a:buFont typeface="Arial" panose="020B0604020202020204" pitchFamily="34" charset="0"/>
-              <a:buChar char="•"/>
+            <a:pPr marL="285750" indent="-285750" algn="ctr" rtl="0" fontAlgn="base">
+              <a:buFont typeface="Wingdings" panose="05000000000000000000" pitchFamily="2" charset="2"/>
+              <a:buChar char="Ø"/>
             </a:pPr>
             <a:r>
-              <a:rPr lang="en-US" b="0" i="0" u="none" strike="noStrike" dirty="0">
+              <a:rPr lang="en-US" sz="2000" b="0" i="0" u="none" strike="noStrike" dirty="0">
                 <a:effectLst/>
                 <a:latin typeface="+mj-lt"/>
               </a:rPr>
               <a:t>Finding strengths in each other and capitalizing on them.</a:t>
             </a:r>
             <a:r>
-              <a:rPr lang="en-US" b="0" i="0" dirty="0">
+              <a:rPr lang="en-US" sz="2000" b="0" i="0" dirty="0">
                 <a:effectLst/>
                 <a:latin typeface="+mj-lt"/>
               </a:rPr>
@@ -13668,7 +13817,7 @@
     </p:spTree>
     <p:extLst>
       <p:ext uri="{BB962C8B-B14F-4D97-AF65-F5344CB8AC3E}">
-        <p14:creationId xmlns:p14="http://schemas.microsoft.com/office/powerpoint/2010/main" val="3356375257"/>
+        <p14:creationId xmlns:p14="http://schemas.microsoft.com/office/powerpoint/2010/main" val="1485110844"/>
       </p:ext>
     </p:extLst>
   </p:cSld>
@@ -13711,12 +13860,28 @@
             <p:ph type="title"/>
           </p:nvPr>
         </p:nvSpPr>
-        <p:spPr/>
+        <p:spPr>
+          <a:xfrm>
+            <a:off x="677334" y="609600"/>
+            <a:ext cx="8596668" cy="860981"/>
+          </a:xfrm>
+        </p:spPr>
         <p:txBody>
           <a:bodyPr/>
           <a:lstStyle/>
           <a:p>
-            <a:endParaRPr lang="en-US" dirty="0"/>
+            <a:r>
+              <a:rPr lang="en-US" dirty="0"/>
+              <a:t>                        </a:t>
+            </a:r>
+            <a:r>
+              <a:rPr lang="en-US" b="1" dirty="0">
+                <a:solidFill>
+                  <a:schemeClr val="tx1"/>
+                </a:solidFill>
+              </a:rPr>
+              <a:t>OUR LOGO</a:t>
+            </a:r>
           </a:p>
         </p:txBody>
       </p:sp>
@@ -13744,8 +13909,8 @@
         </p:blipFill>
         <p:spPr>
           <a:xfrm>
-            <a:off x="3035300" y="2160588"/>
-            <a:ext cx="3881437" cy="3881437"/>
+            <a:off x="1442300" y="1649692"/>
+            <a:ext cx="7831701" cy="4392334"/>
           </a:xfrm>
         </p:spPr>
       </p:pic>
@@ -14524,12 +14689,11 @@
 </file>
 
 <file path=customXml/item1.xml><?xml version="1.0" encoding="utf-8"?>
-<?mso-contentType ?>
-<FormTemplates xmlns="http://schemas.microsoft.com/sharepoint/v3/contenttype/forms">
-  <Display>DocumentLibraryForm</Display>
-  <Edit>DocumentLibraryForm</Edit>
-  <New>DocumentLibraryForm</New>
-</FormTemplates>
+<p:properties xmlns:p="http://schemas.microsoft.com/office/2006/metadata/properties" xmlns:xsi="http://www.w3.org/2001/XMLSchema-instance" xmlns:pc="http://schemas.microsoft.com/office/infopath/2007/PartnerControls">
+  <documentManagement>
+    <MediaServiceKeyPoints xmlns="71af3243-3dd4-4a8d-8c0d-dd76da1f02a5" xsi:nil="true"/>
+  </documentManagement>
+</p:properties>
 </file>
 
 <file path=customXml/item2.xml><?xml version="1.0" encoding="utf-8"?>
@@ -14744,17 +14908,20 @@
 </file>
 
 <file path=customXml/item3.xml><?xml version="1.0" encoding="utf-8"?>
-<p:properties xmlns:p="http://schemas.microsoft.com/office/2006/metadata/properties" xmlns:xsi="http://www.w3.org/2001/XMLSchema-instance" xmlns:pc="http://schemas.microsoft.com/office/infopath/2007/PartnerControls">
-  <documentManagement>
-    <MediaServiceKeyPoints xmlns="71af3243-3dd4-4a8d-8c0d-dd76da1f02a5" xsi:nil="true"/>
-  </documentManagement>
-</p:properties>
+<?mso-contentType ?>
+<FormTemplates xmlns="http://schemas.microsoft.com/sharepoint/v3/contenttype/forms">
+  <Display>DocumentLibraryForm</Display>
+  <Edit>DocumentLibraryForm</Edit>
+  <New>DocumentLibraryForm</New>
+</FormTemplates>
 </file>
 
 <file path=customXml/itemProps1.xml><?xml version="1.0" encoding="utf-8"?>
-<ds:datastoreItem xmlns:ds="http://schemas.openxmlformats.org/officeDocument/2006/customXml" ds:itemID="{9AEF1282-A6E9-4912-8AB9-8ED69BF7097D}">
+<ds:datastoreItem xmlns:ds="http://schemas.openxmlformats.org/officeDocument/2006/customXml" ds:itemID="{CC24F515-356D-4532-BE08-F6D7771916F0}">
   <ds:schemaRefs>
-    <ds:schemaRef ds:uri="http://schemas.microsoft.com/sharepoint/v3/contenttype/forms"/>
+    <ds:schemaRef ds:uri="http://schemas.microsoft.com/office/2006/metadata/properties"/>
+    <ds:schemaRef ds:uri="http://schemas.microsoft.com/office/infopath/2007/PartnerControls"/>
+    <ds:schemaRef ds:uri="71af3243-3dd4-4a8d-8c0d-dd76da1f02a5"/>
   </ds:schemaRefs>
 </ds:datastoreItem>
 </file>
@@ -14779,11 +14946,9 @@
 </file>
 
 <file path=customXml/itemProps3.xml><?xml version="1.0" encoding="utf-8"?>
-<ds:datastoreItem xmlns:ds="http://schemas.openxmlformats.org/officeDocument/2006/customXml" ds:itemID="{CC24F515-356D-4532-BE08-F6D7771916F0}">
+<ds:datastoreItem xmlns:ds="http://schemas.openxmlformats.org/officeDocument/2006/customXml" ds:itemID="{9AEF1282-A6E9-4912-8AB9-8ED69BF7097D}">
   <ds:schemaRefs>
-    <ds:schemaRef ds:uri="http://schemas.microsoft.com/office/2006/metadata/properties"/>
-    <ds:schemaRef ds:uri="http://schemas.microsoft.com/office/infopath/2007/PartnerControls"/>
-    <ds:schemaRef ds:uri="71af3243-3dd4-4a8d-8c0d-dd76da1f02a5"/>
+    <ds:schemaRef ds:uri="http://schemas.microsoft.com/sharepoint/v3/contenttype/forms"/>
   </ds:schemaRefs>
 </ds:datastoreItem>
 </file>